--- a/Slides/[CLEAN]PRES2019-Projet14-OlivierFourmaux-ROIStreamingImapct-soutenance.pptx
+++ b/Slides/[CLEAN]PRES2019-Projet14-OlivierFourmaux-ROIStreamingImapct-soutenance.pptx
@@ -5147,15 +5147,7 @@
           <a:p>
             <a:r>
               <a:rPr lang="fr-FR" sz="2000" dirty="0" smtClean="0"/>
-              <a:t>C’est une zone d’une image ayant un intérêt particulier par exemple </a:t>
-            </a:r>
-            <a:r>
-              <a:rPr lang="fr-FR" sz="2000" dirty="0" smtClean="0"/>
-              <a:t>une </a:t>
-            </a:r>
-            <a:r>
-              <a:rPr lang="fr-FR" sz="2000" dirty="0" smtClean="0"/>
-              <a:t>zone regroupant de nombreux détails.</a:t>
+              <a:t>C’est une zone d’une image ayant un intérêt particulier par exemple une zone regroupant de nombreux détails.</a:t>
             </a:r>
           </a:p>
         </p:txBody>
@@ -6766,23 +6758,7 @@
           <a:p>
             <a:r>
               <a:rPr lang="fr-FR" sz="2000" dirty="0" smtClean="0"/>
-              <a:t>Une tuile est une zone rectangulaire de taille variée qui </a:t>
-            </a:r>
-            <a:r>
-              <a:rPr lang="fr-FR" sz="2000" dirty="0" smtClean="0"/>
-              <a:t>est</a:t>
-            </a:r>
-            <a:r>
-              <a:rPr lang="fr-FR" sz="2000" dirty="0" smtClean="0"/>
-              <a:t> </a:t>
-            </a:r>
-            <a:r>
-              <a:rPr lang="fr-FR" sz="2000" dirty="0" smtClean="0"/>
-              <a:t>découpée </a:t>
-            </a:r>
-            <a:r>
-              <a:rPr lang="fr-FR" sz="2000" dirty="0" smtClean="0"/>
-              <a:t>dans une image d’une vidéo.</a:t>
+              <a:t>Une tuile est une zone rectangulaire de taille variée qui est découpée dans une image d’une vidéo.</a:t>
             </a:r>
             <a:endParaRPr lang="fr-FR" sz="2000" dirty="0"/>
           </a:p>
@@ -7267,15 +7243,7 @@
             <a:pPr algn="ctr"/>
             <a:r>
               <a:rPr lang="fr-FR" sz="2000" b="1" dirty="0" smtClean="0"/>
-              <a:t>Plusieurs </a:t>
-            </a:r>
-            <a:r>
-              <a:rPr lang="fr-FR" sz="2000" b="1" dirty="0" smtClean="0"/>
-              <a:t>paramètres </a:t>
-            </a:r>
-            <a:r>
-              <a:rPr lang="fr-FR" sz="2000" b="1" dirty="0" smtClean="0"/>
-              <a:t>entrent en compte dans la découpe:</a:t>
+              <a:t>Plusieurs paramètres entrent en compte dans la découpe:</a:t>
             </a:r>
           </a:p>
           <a:p>
@@ -7289,15 +7257,7 @@
             </a:pPr>
             <a:r>
               <a:rPr lang="fr-FR" dirty="0" smtClean="0"/>
-              <a:t>Le nombre de </a:t>
-            </a:r>
-            <a:r>
-              <a:rPr lang="fr-FR" dirty="0" smtClean="0"/>
-              <a:t>tuile </a:t>
-            </a:r>
-            <a:r>
-              <a:rPr lang="fr-FR" dirty="0" smtClean="0"/>
-              <a:t>en largeur</a:t>
+              <a:t>Le nombre de tuile en largeur</a:t>
             </a:r>
           </a:p>
           <a:p>
